--- a/presentations/20230202_firebird_microburst_dispersion.pptx
+++ b/presentations/20230202_firebird_microburst_dispersion.pptx
@@ -112,6 +112,11 @@
       </a:defRPr>
     </a:lvl9pPr>
   </p:defaultTextStyle>
+  <p:extLst>
+    <p:ext uri="{EFAFB233-063F-42B5-8137-9DF3F51BA10A}">
+      <p15:sldGuideLst xmlns:p15="http://schemas.microsoft.com/office/powerpoint/2012/main"/>
+    </p:ext>
+  </p:extLst>
 </p:presentation>
 </file>
 
@@ -197,7 +202,7 @@
           <a:p>
             <a:fld id="{C0E0973D-399D-49EE-AFAB-0CADC6E80945}" type="datetimeFigureOut">
               <a:rPr lang="en-US" smtClean="0"/>
-              <a:t>2/2/2023</a:t>
+              <a:t>2/3/2023</a:t>
             </a:fld>
             <a:endParaRPr lang="en-US"/>
           </a:p>
@@ -611,7 +616,7 @@
           <a:p>
             <a:fld id="{B90E0315-61D9-4769-B460-57C82A506BCB}" type="datetime1">
               <a:rPr lang="en-US" smtClean="0"/>
-              <a:t>2/2/2023</a:t>
+              <a:t>2/3/2023</a:t>
             </a:fld>
             <a:endParaRPr lang="en-US"/>
           </a:p>
@@ -812,7 +817,7 @@
           <a:p>
             <a:fld id="{1EB28721-E863-4E60-A585-6D877041FFF8}" type="datetime1">
               <a:rPr lang="en-US" smtClean="0"/>
-              <a:t>2/2/2023</a:t>
+              <a:t>2/3/2023</a:t>
             </a:fld>
             <a:endParaRPr lang="en-US"/>
           </a:p>
@@ -1023,7 +1028,7 @@
           <a:p>
             <a:fld id="{8AD20504-49C6-444E-B01C-07A109E14047}" type="datetime1">
               <a:rPr lang="en-US" smtClean="0"/>
-              <a:t>2/2/2023</a:t>
+              <a:t>2/3/2023</a:t>
             </a:fld>
             <a:endParaRPr lang="en-US"/>
           </a:p>
@@ -1224,7 +1229,7 @@
           <a:p>
             <a:fld id="{7FD9ECFD-1F20-454C-B13E-4236C28925A7}" type="datetime1">
               <a:rPr lang="en-US" smtClean="0"/>
-              <a:t>2/2/2023</a:t>
+              <a:t>2/3/2023</a:t>
             </a:fld>
             <a:endParaRPr lang="en-US"/>
           </a:p>
@@ -1502,7 +1507,7 @@
           <a:p>
             <a:fld id="{23F33F37-79A2-45BF-90D8-820F3A46054B}" type="datetime1">
               <a:rPr lang="en-US" smtClean="0"/>
-              <a:t>2/2/2023</a:t>
+              <a:t>2/3/2023</a:t>
             </a:fld>
             <a:endParaRPr lang="en-US"/>
           </a:p>
@@ -1770,7 +1775,7 @@
           <a:p>
             <a:fld id="{A8E4B08A-2766-4FBF-965B-71732DCC6425}" type="datetime1">
               <a:rPr lang="en-US" smtClean="0"/>
-              <a:t>2/2/2023</a:t>
+              <a:t>2/3/2023</a:t>
             </a:fld>
             <a:endParaRPr lang="en-US"/>
           </a:p>
@@ -2185,7 +2190,7 @@
           <a:p>
             <a:fld id="{D15F42A8-4621-4E37-91E0-1D61672063F1}" type="datetime1">
               <a:rPr lang="en-US" smtClean="0"/>
-              <a:t>2/2/2023</a:t>
+              <a:t>2/3/2023</a:t>
             </a:fld>
             <a:endParaRPr lang="en-US"/>
           </a:p>
@@ -2329,7 +2334,7 @@
           <a:p>
             <a:fld id="{04703D39-D77F-4573-B25D-DF981553C0DE}" type="datetime1">
               <a:rPr lang="en-US" smtClean="0"/>
-              <a:t>2/2/2023</a:t>
+              <a:t>2/3/2023</a:t>
             </a:fld>
             <a:endParaRPr lang="en-US"/>
           </a:p>
@@ -2445,7 +2450,7 @@
           <a:p>
             <a:fld id="{E67A8D75-F1F1-4DCA-95C8-06CD4FE7B887}" type="datetime1">
               <a:rPr lang="en-US" smtClean="0"/>
-              <a:t>2/2/2023</a:t>
+              <a:t>2/3/2023</a:t>
             </a:fld>
             <a:endParaRPr lang="en-US"/>
           </a:p>
@@ -2759,7 +2764,7 @@
           <a:p>
             <a:fld id="{4BF4C88F-8283-4608-B3B6-018166751FE5}" type="datetime1">
               <a:rPr lang="en-US" smtClean="0"/>
-              <a:t>2/2/2023</a:t>
+              <a:t>2/3/2023</a:t>
             </a:fld>
             <a:endParaRPr lang="en-US"/>
           </a:p>
@@ -3050,7 +3055,7 @@
           <a:p>
             <a:fld id="{6E7A1308-2CEE-4F05-B894-D3DBFDB74B7F}" type="datetime1">
               <a:rPr lang="en-US" smtClean="0"/>
-              <a:t>2/2/2023</a:t>
+              <a:t>2/3/2023</a:t>
             </a:fld>
             <a:endParaRPr lang="en-US"/>
           </a:p>
@@ -3294,7 +3299,7 @@
           <a:p>
             <a:fld id="{B3A22869-6C40-434B-9E31-9A7EC812A735}" type="datetime1">
               <a:rPr lang="en-US" smtClean="0"/>
-              <a:t>2/2/2023</a:t>
+              <a:t>2/3/2023</a:t>
             </a:fld>
             <a:endParaRPr lang="en-US"/>
           </a:p>
@@ -3800,7 +3805,7 @@
           <a:p>
             <a:fld id="{C76AF87F-EFF2-4D80-BEA0-055A5A70722E}" type="datetime1">
               <a:rPr lang="en-US" smtClean="0"/>
-              <a:t>2/2/2023</a:t>
+              <a:t>2/3/2023</a:t>
             </a:fld>
             <a:endParaRPr lang="en-US"/>
           </a:p>
@@ -4006,7 +4011,7 @@
           <a:p>
             <a:fld id="{907A5AA0-F811-4713-A78F-8D01DC4F2A9A}" type="datetime1">
               <a:rPr lang="en-US" smtClean="0"/>
-              <a:t>2/2/2023</a:t>
+              <a:t>2/3/2023</a:t>
             </a:fld>
             <a:endParaRPr lang="en-US"/>
           </a:p>
@@ -4247,7 +4252,7 @@
           <a:p>
             <a:fld id="{907A5AA0-F811-4713-A78F-8D01DC4F2A9A}" type="datetime1">
               <a:rPr lang="en-US" smtClean="0"/>
-              <a:t>2/2/2023</a:t>
+              <a:t>2/3/2023</a:t>
             </a:fld>
             <a:endParaRPr lang="en-US"/>
           </a:p>
@@ -4896,7 +4901,7 @@
           <a:p>
             <a:fld id="{A8E4B08A-2766-4FBF-965B-71732DCC6425}" type="datetime1">
               <a:rPr lang="en-US" smtClean="0"/>
-              <a:t>2/2/2023</a:t>
+              <a:t>2/3/2023</a:t>
             </a:fld>
             <a:endParaRPr lang="en-US"/>
           </a:p>
@@ -4956,6 +4961,86 @@
               <a:t>4</a:t>
             </a:fld>
             <a:endParaRPr lang="en-US"/>
+          </a:p>
+        </p:txBody>
+      </p:sp>
+      <p:cxnSp>
+        <p:nvCxnSpPr>
+          <p:cNvPr id="2" name="Straight Arrow Connector 1">
+            <a:extLst>
+              <a:ext uri="{FF2B5EF4-FFF2-40B4-BE49-F238E27FC236}">
+                <a16:creationId xmlns:a16="http://schemas.microsoft.com/office/drawing/2014/main" id="{597C9B54-4326-5BEA-8C9F-224522CB6D10}"/>
+              </a:ext>
+            </a:extLst>
+          </p:cNvPr>
+          <p:cNvCxnSpPr>
+            <a:cxnSpLocks/>
+            <a:stCxn id="3" idx="1"/>
+          </p:cNvCxnSpPr>
+          <p:nvPr/>
+        </p:nvCxnSpPr>
+        <p:spPr>
+          <a:xfrm flipH="1">
+            <a:off x="9455775" y="4405806"/>
+            <a:ext cx="1264113" cy="388831"/>
+          </a:xfrm>
+          <a:prstGeom prst="straightConnector1">
+            <a:avLst/>
+          </a:prstGeom>
+          <a:ln w="76200">
+            <a:solidFill>
+              <a:schemeClr val="tx1"/>
+            </a:solidFill>
+            <a:tailEnd type="triangle"/>
+          </a:ln>
+        </p:spPr>
+        <p:style>
+          <a:lnRef idx="1">
+            <a:schemeClr val="accent1"/>
+          </a:lnRef>
+          <a:fillRef idx="0">
+            <a:schemeClr val="accent1"/>
+          </a:fillRef>
+          <a:effectRef idx="0">
+            <a:schemeClr val="accent1"/>
+          </a:effectRef>
+          <a:fontRef idx="minor">
+            <a:schemeClr val="tx1"/>
+          </a:fontRef>
+        </p:style>
+      </p:cxnSp>
+      <p:sp>
+        <p:nvSpPr>
+          <p:cNvPr id="3" name="TextBox 2">
+            <a:extLst>
+              <a:ext uri="{FF2B5EF4-FFF2-40B4-BE49-F238E27FC236}">
+                <a16:creationId xmlns:a16="http://schemas.microsoft.com/office/drawing/2014/main" id="{1F8AF775-9BD6-F4F1-B40C-7E8DF510376A}"/>
+              </a:ext>
+            </a:extLst>
+          </p:cNvPr>
+          <p:cNvSpPr txBox="1"/>
+          <p:nvPr/>
+        </p:nvSpPr>
+        <p:spPr>
+          <a:xfrm>
+            <a:off x="10719888" y="4144196"/>
+            <a:ext cx="1542536" cy="523220"/>
+          </a:xfrm>
+          <a:prstGeom prst="rect">
+            <a:avLst/>
+          </a:prstGeom>
+          <a:noFill/>
+        </p:spPr>
+        <p:txBody>
+          <a:bodyPr wrap="square" rtlCol="0">
+            <a:spAutoFit/>
+          </a:bodyPr>
+          <a:lstStyle/>
+          <a:p>
+            <a:r>
+              <a:rPr lang="en-US" sz="1400" dirty="0"/>
+              <a:t>Fit could have been better</a:t>
+            </a:r>
           </a:p>
         </p:txBody>
       </p:sp>
@@ -5082,7 +5167,7 @@
           <a:p>
             <a:fld id="{4BF4C88F-8283-4608-B3B6-018166751FE5}" type="datetime1">
               <a:rPr lang="en-US" smtClean="0"/>
-              <a:t>2/2/2023</a:t>
+              <a:t>2/3/2023</a:t>
             </a:fld>
             <a:endParaRPr lang="en-US"/>
           </a:p>
@@ -5268,9 +5353,9 @@
           <a:p>
             <a:fld id="{4BF4C88F-8283-4608-B3B6-018166751FE5}" type="datetime1">
               <a:rPr lang="en-US" smtClean="0"/>
-              <a:t>2/2/2023</a:t>
+              <a:t>2/3/2023</a:t>
             </a:fld>
-            <a:endParaRPr lang="en-US"/>
+            <a:endParaRPr lang="en-US" dirty="0"/>
           </a:p>
         </p:txBody>
       </p:sp>
@@ -5296,7 +5381,7 @@
           <a:lstStyle/>
           <a:p>
             <a:r>
-              <a:rPr lang="en-US"/>
+              <a:rPr lang="en-US" dirty="0"/>
               <a:t>Microburst Time of Flight Dispersion</a:t>
             </a:r>
           </a:p>
@@ -5408,6 +5493,88 @@
             <a:r>
               <a:rPr lang="en-US" sz="2000" dirty="0"/>
               <a:t>Saturation? Channels 0 and 1 dip right as channel 6 peaks.</a:t>
+            </a:r>
+            <a:endParaRPr lang="en-US" dirty="0"/>
+          </a:p>
+        </p:txBody>
+      </p:sp>
+      <p:cxnSp>
+        <p:nvCxnSpPr>
+          <p:cNvPr id="4" name="Straight Arrow Connector 3">
+            <a:extLst>
+              <a:ext uri="{FF2B5EF4-FFF2-40B4-BE49-F238E27FC236}">
+                <a16:creationId xmlns:a16="http://schemas.microsoft.com/office/drawing/2014/main" id="{C75BBD98-2EA8-0AB8-88AB-0D97763684E9}"/>
+              </a:ext>
+            </a:extLst>
+          </p:cNvPr>
+          <p:cNvCxnSpPr>
+            <a:cxnSpLocks/>
+          </p:cNvCxnSpPr>
+          <p:nvPr/>
+        </p:nvCxnSpPr>
+        <p:spPr>
+          <a:xfrm>
+            <a:off x="6345802" y="5774732"/>
+            <a:ext cx="728867" cy="0"/>
+          </a:xfrm>
+          <a:prstGeom prst="straightConnector1">
+            <a:avLst/>
+          </a:prstGeom>
+          <a:ln w="76200">
+            <a:solidFill>
+              <a:schemeClr val="accent2"/>
+            </a:solidFill>
+            <a:tailEnd type="triangle"/>
+          </a:ln>
+        </p:spPr>
+        <p:style>
+          <a:lnRef idx="1">
+            <a:schemeClr val="accent1"/>
+          </a:lnRef>
+          <a:fillRef idx="0">
+            <a:schemeClr val="accent1"/>
+          </a:fillRef>
+          <a:effectRef idx="0">
+            <a:schemeClr val="accent1"/>
+          </a:effectRef>
+          <a:fontRef idx="minor">
+            <a:schemeClr val="tx1"/>
+          </a:fontRef>
+        </p:style>
+      </p:cxnSp>
+      <p:sp>
+        <p:nvSpPr>
+          <p:cNvPr id="8" name="TextBox 7">
+            <a:extLst>
+              <a:ext uri="{FF2B5EF4-FFF2-40B4-BE49-F238E27FC236}">
+                <a16:creationId xmlns:a16="http://schemas.microsoft.com/office/drawing/2014/main" id="{96D04505-F164-1D24-A12F-C8BE1274B7BC}"/>
+              </a:ext>
+            </a:extLst>
+          </p:cNvPr>
+          <p:cNvSpPr txBox="1"/>
+          <p:nvPr/>
+        </p:nvSpPr>
+        <p:spPr>
+          <a:xfrm>
+            <a:off x="3412769" y="5420789"/>
+            <a:ext cx="2933033" cy="707886"/>
+          </a:xfrm>
+          <a:prstGeom prst="rect">
+            <a:avLst/>
+          </a:prstGeom>
+          <a:solidFill>
+            <a:schemeClr val="accent2"/>
+          </a:solidFill>
+        </p:spPr>
+        <p:txBody>
+          <a:bodyPr wrap="square" rtlCol="0">
+            <a:spAutoFit/>
+          </a:bodyPr>
+          <a:lstStyle/>
+          <a:p>
+            <a:r>
+              <a:rPr lang="en-US" sz="2000" dirty="0"/>
+              <a:t>No dispersion (as far as FIREBIRD can tell)</a:t>
             </a:r>
             <a:endParaRPr lang="en-US" dirty="0"/>
           </a:p>
